--- a/WhoLends_Intro.pptx
+++ b/WhoLends_Intro.pptx
@@ -251,7 +251,7 @@
           <a:p>
             <a:fld id="{EDE79BFB-AFEF-4FC7-B75E-E8E3F2A032DB}" type="datetimeFigureOut">
               <a:rPr lang="de-DE" smtClean="0"/>
-              <a:t>29.11.2016</a:t>
+              <a:t>05.12.2016</a:t>
             </a:fld>
             <a:endParaRPr lang="de-DE"/>
           </a:p>
@@ -421,7 +421,7 @@
           <a:p>
             <a:fld id="{EDE79BFB-AFEF-4FC7-B75E-E8E3F2A032DB}" type="datetimeFigureOut">
               <a:rPr lang="de-DE" smtClean="0"/>
-              <a:t>29.11.2016</a:t>
+              <a:t>05.12.2016</a:t>
             </a:fld>
             <a:endParaRPr lang="de-DE"/>
           </a:p>
@@ -601,7 +601,7 @@
           <a:p>
             <a:fld id="{EDE79BFB-AFEF-4FC7-B75E-E8E3F2A032DB}" type="datetimeFigureOut">
               <a:rPr lang="de-DE" smtClean="0"/>
-              <a:t>29.11.2016</a:t>
+              <a:t>05.12.2016</a:t>
             </a:fld>
             <a:endParaRPr lang="de-DE"/>
           </a:p>
@@ -771,7 +771,7 @@
           <a:p>
             <a:fld id="{EDE79BFB-AFEF-4FC7-B75E-E8E3F2A032DB}" type="datetimeFigureOut">
               <a:rPr lang="de-DE" smtClean="0"/>
-              <a:t>29.11.2016</a:t>
+              <a:t>05.12.2016</a:t>
             </a:fld>
             <a:endParaRPr lang="de-DE"/>
           </a:p>
@@ -1017,7 +1017,7 @@
           <a:p>
             <a:fld id="{EDE79BFB-AFEF-4FC7-B75E-E8E3F2A032DB}" type="datetimeFigureOut">
               <a:rPr lang="de-DE" smtClean="0"/>
-              <a:t>29.11.2016</a:t>
+              <a:t>05.12.2016</a:t>
             </a:fld>
             <a:endParaRPr lang="de-DE"/>
           </a:p>
@@ -1249,7 +1249,7 @@
           <a:p>
             <a:fld id="{EDE79BFB-AFEF-4FC7-B75E-E8E3F2A032DB}" type="datetimeFigureOut">
               <a:rPr lang="de-DE" smtClean="0"/>
-              <a:t>29.11.2016</a:t>
+              <a:t>05.12.2016</a:t>
             </a:fld>
             <a:endParaRPr lang="de-DE"/>
           </a:p>
@@ -1616,7 +1616,7 @@
           <a:p>
             <a:fld id="{EDE79BFB-AFEF-4FC7-B75E-E8E3F2A032DB}" type="datetimeFigureOut">
               <a:rPr lang="de-DE" smtClean="0"/>
-              <a:t>29.11.2016</a:t>
+              <a:t>05.12.2016</a:t>
             </a:fld>
             <a:endParaRPr lang="de-DE"/>
           </a:p>
@@ -1734,7 +1734,7 @@
           <a:p>
             <a:fld id="{EDE79BFB-AFEF-4FC7-B75E-E8E3F2A032DB}" type="datetimeFigureOut">
               <a:rPr lang="de-DE" smtClean="0"/>
-              <a:t>29.11.2016</a:t>
+              <a:t>05.12.2016</a:t>
             </a:fld>
             <a:endParaRPr lang="de-DE"/>
           </a:p>
@@ -1829,7 +1829,7 @@
           <a:p>
             <a:fld id="{EDE79BFB-AFEF-4FC7-B75E-E8E3F2A032DB}" type="datetimeFigureOut">
               <a:rPr lang="de-DE" smtClean="0"/>
-              <a:t>29.11.2016</a:t>
+              <a:t>05.12.2016</a:t>
             </a:fld>
             <a:endParaRPr lang="de-DE"/>
           </a:p>
@@ -2106,7 +2106,7 @@
           <a:p>
             <a:fld id="{EDE79BFB-AFEF-4FC7-B75E-E8E3F2A032DB}" type="datetimeFigureOut">
               <a:rPr lang="de-DE" smtClean="0"/>
-              <a:t>29.11.2016</a:t>
+              <a:t>05.12.2016</a:t>
             </a:fld>
             <a:endParaRPr lang="de-DE"/>
           </a:p>
@@ -2359,7 +2359,7 @@
           <a:p>
             <a:fld id="{EDE79BFB-AFEF-4FC7-B75E-E8E3F2A032DB}" type="datetimeFigureOut">
               <a:rPr lang="de-DE" smtClean="0"/>
-              <a:t>29.11.2016</a:t>
+              <a:t>05.12.2016</a:t>
             </a:fld>
             <a:endParaRPr lang="de-DE"/>
           </a:p>
@@ -2572,7 +2572,7 @@
           <a:p>
             <a:fld id="{EDE79BFB-AFEF-4FC7-B75E-E8E3F2A032DB}" type="datetimeFigureOut">
               <a:rPr lang="de-DE" smtClean="0"/>
-              <a:t>29.11.2016</a:t>
+              <a:t>05.12.2016</a:t>
             </a:fld>
             <a:endParaRPr lang="de-DE"/>
           </a:p>
@@ -3588,7 +3588,7 @@
       </p:grpSpPr>
       <p:pic>
         <p:nvPicPr>
-          <p:cNvPr id="4" name="Grafik 3"/>
+          <p:cNvPr id="3" name="Picture 2"/>
           <p:cNvPicPr>
             <a:picLocks noChangeAspect="1"/>
           </p:cNvPicPr>
@@ -3596,13 +3596,13 @@
         </p:nvPicPr>
         <p:blipFill rotWithShape="1">
           <a:blip r:embed="rId2"/>
-          <a:srcRect t="11505"/>
+          <a:srcRect t="8139"/>
           <a:stretch/>
         </p:blipFill>
         <p:spPr>
           <a:xfrm>
-            <a:off x="0" y="-19878"/>
-            <a:ext cx="12856567" cy="6840000"/>
+            <a:off x="0" y="0"/>
+            <a:ext cx="13853165" cy="6840000"/>
           </a:xfrm>
           <a:prstGeom prst="rect">
             <a:avLst/>

--- a/WhoLends_Intro.pptx
+++ b/WhoLends_Intro.pptx
@@ -251,7 +251,7 @@
           <a:p>
             <a:fld id="{EDE79BFB-AFEF-4FC7-B75E-E8E3F2A032DB}" type="datetimeFigureOut">
               <a:rPr lang="de-DE" smtClean="0"/>
-              <a:t>05.12.2016</a:t>
+              <a:t>12.12.2016</a:t>
             </a:fld>
             <a:endParaRPr lang="de-DE"/>
           </a:p>
@@ -421,7 +421,7 @@
           <a:p>
             <a:fld id="{EDE79BFB-AFEF-4FC7-B75E-E8E3F2A032DB}" type="datetimeFigureOut">
               <a:rPr lang="de-DE" smtClean="0"/>
-              <a:t>05.12.2016</a:t>
+              <a:t>12.12.2016</a:t>
             </a:fld>
             <a:endParaRPr lang="de-DE"/>
           </a:p>
@@ -601,7 +601,7 @@
           <a:p>
             <a:fld id="{EDE79BFB-AFEF-4FC7-B75E-E8E3F2A032DB}" type="datetimeFigureOut">
               <a:rPr lang="de-DE" smtClean="0"/>
-              <a:t>05.12.2016</a:t>
+              <a:t>12.12.2016</a:t>
             </a:fld>
             <a:endParaRPr lang="de-DE"/>
           </a:p>
@@ -771,7 +771,7 @@
           <a:p>
             <a:fld id="{EDE79BFB-AFEF-4FC7-B75E-E8E3F2A032DB}" type="datetimeFigureOut">
               <a:rPr lang="de-DE" smtClean="0"/>
-              <a:t>05.12.2016</a:t>
+              <a:t>12.12.2016</a:t>
             </a:fld>
             <a:endParaRPr lang="de-DE"/>
           </a:p>
@@ -1017,7 +1017,7 @@
           <a:p>
             <a:fld id="{EDE79BFB-AFEF-4FC7-B75E-E8E3F2A032DB}" type="datetimeFigureOut">
               <a:rPr lang="de-DE" smtClean="0"/>
-              <a:t>05.12.2016</a:t>
+              <a:t>12.12.2016</a:t>
             </a:fld>
             <a:endParaRPr lang="de-DE"/>
           </a:p>
@@ -1249,7 +1249,7 @@
           <a:p>
             <a:fld id="{EDE79BFB-AFEF-4FC7-B75E-E8E3F2A032DB}" type="datetimeFigureOut">
               <a:rPr lang="de-DE" smtClean="0"/>
-              <a:t>05.12.2016</a:t>
+              <a:t>12.12.2016</a:t>
             </a:fld>
             <a:endParaRPr lang="de-DE"/>
           </a:p>
@@ -1616,7 +1616,7 @@
           <a:p>
             <a:fld id="{EDE79BFB-AFEF-4FC7-B75E-E8E3F2A032DB}" type="datetimeFigureOut">
               <a:rPr lang="de-DE" smtClean="0"/>
-              <a:t>05.12.2016</a:t>
+              <a:t>12.12.2016</a:t>
             </a:fld>
             <a:endParaRPr lang="de-DE"/>
           </a:p>
@@ -1734,7 +1734,7 @@
           <a:p>
             <a:fld id="{EDE79BFB-AFEF-4FC7-B75E-E8E3F2A032DB}" type="datetimeFigureOut">
               <a:rPr lang="de-DE" smtClean="0"/>
-              <a:t>05.12.2016</a:t>
+              <a:t>12.12.2016</a:t>
             </a:fld>
             <a:endParaRPr lang="de-DE"/>
           </a:p>
@@ -1829,7 +1829,7 @@
           <a:p>
             <a:fld id="{EDE79BFB-AFEF-4FC7-B75E-E8E3F2A032DB}" type="datetimeFigureOut">
               <a:rPr lang="de-DE" smtClean="0"/>
-              <a:t>05.12.2016</a:t>
+              <a:t>12.12.2016</a:t>
             </a:fld>
             <a:endParaRPr lang="de-DE"/>
           </a:p>
@@ -2106,7 +2106,7 @@
           <a:p>
             <a:fld id="{EDE79BFB-AFEF-4FC7-B75E-E8E3F2A032DB}" type="datetimeFigureOut">
               <a:rPr lang="de-DE" smtClean="0"/>
-              <a:t>05.12.2016</a:t>
+              <a:t>12.12.2016</a:t>
             </a:fld>
             <a:endParaRPr lang="de-DE"/>
           </a:p>
@@ -2359,7 +2359,7 @@
           <a:p>
             <a:fld id="{EDE79BFB-AFEF-4FC7-B75E-E8E3F2A032DB}" type="datetimeFigureOut">
               <a:rPr lang="de-DE" smtClean="0"/>
-              <a:t>05.12.2016</a:t>
+              <a:t>12.12.2016</a:t>
             </a:fld>
             <a:endParaRPr lang="de-DE"/>
           </a:p>
@@ -2572,7 +2572,7 @@
           <a:p>
             <a:fld id="{EDE79BFB-AFEF-4FC7-B75E-E8E3F2A032DB}" type="datetimeFigureOut">
               <a:rPr lang="de-DE" smtClean="0"/>
-              <a:t>05.12.2016</a:t>
+              <a:t>12.12.2016</a:t>
             </a:fld>
             <a:endParaRPr lang="de-DE"/>
           </a:p>
@@ -2979,7 +2979,7 @@
       </p:grpSpPr>
       <p:pic>
         <p:nvPicPr>
-          <p:cNvPr id="5" name="Grafik 3"/>
+          <p:cNvPr id="3" name="Picture 2"/>
           <p:cNvPicPr>
             <a:picLocks noChangeAspect="1"/>
           </p:cNvPicPr>
@@ -2987,13 +2987,13 @@
         </p:nvPicPr>
         <p:blipFill rotWithShape="1">
           <a:blip r:embed="rId2"/>
-          <a:srcRect t="11813"/>
+          <a:srcRect t="7712"/>
           <a:stretch/>
         </p:blipFill>
         <p:spPr>
           <a:xfrm>
-            <a:off x="0" y="0"/>
-            <a:ext cx="12901521" cy="6840000"/>
+            <a:off x="-792480" y="0"/>
+            <a:ext cx="14006768" cy="6948000"/>
           </a:xfrm>
           <a:prstGeom prst="rect">
             <a:avLst/>

--- a/WhoLends_Intro.pptx
+++ b/WhoLends_Intro.pptx
@@ -14,6 +14,7 @@
     <p:sldId id="262" r:id="rId8"/>
     <p:sldId id="264" r:id="rId9"/>
     <p:sldId id="263" r:id="rId10"/>
+    <p:sldId id="265" r:id="rId11"/>
   </p:sldIdLst>
   <p:sldSz cx="12192000" cy="6858000"/>
   <p:notesSz cx="6858000" cy="9144000"/>
@@ -251,7 +252,7 @@
           <a:p>
             <a:fld id="{EDE79BFB-AFEF-4FC7-B75E-E8E3F2A032DB}" type="datetimeFigureOut">
               <a:rPr lang="de-DE" smtClean="0"/>
-              <a:t>12.12.2016</a:t>
+              <a:t>14.12.2016</a:t>
             </a:fld>
             <a:endParaRPr lang="de-DE"/>
           </a:p>
@@ -421,7 +422,7 @@
           <a:p>
             <a:fld id="{EDE79BFB-AFEF-4FC7-B75E-E8E3F2A032DB}" type="datetimeFigureOut">
               <a:rPr lang="de-DE" smtClean="0"/>
-              <a:t>12.12.2016</a:t>
+              <a:t>14.12.2016</a:t>
             </a:fld>
             <a:endParaRPr lang="de-DE"/>
           </a:p>
@@ -601,7 +602,7 @@
           <a:p>
             <a:fld id="{EDE79BFB-AFEF-4FC7-B75E-E8E3F2A032DB}" type="datetimeFigureOut">
               <a:rPr lang="de-DE" smtClean="0"/>
-              <a:t>12.12.2016</a:t>
+              <a:t>14.12.2016</a:t>
             </a:fld>
             <a:endParaRPr lang="de-DE"/>
           </a:p>
@@ -771,7 +772,7 @@
           <a:p>
             <a:fld id="{EDE79BFB-AFEF-4FC7-B75E-E8E3F2A032DB}" type="datetimeFigureOut">
               <a:rPr lang="de-DE" smtClean="0"/>
-              <a:t>12.12.2016</a:t>
+              <a:t>14.12.2016</a:t>
             </a:fld>
             <a:endParaRPr lang="de-DE"/>
           </a:p>
@@ -1017,7 +1018,7 @@
           <a:p>
             <a:fld id="{EDE79BFB-AFEF-4FC7-B75E-E8E3F2A032DB}" type="datetimeFigureOut">
               <a:rPr lang="de-DE" smtClean="0"/>
-              <a:t>12.12.2016</a:t>
+              <a:t>14.12.2016</a:t>
             </a:fld>
             <a:endParaRPr lang="de-DE"/>
           </a:p>
@@ -1249,7 +1250,7 @@
           <a:p>
             <a:fld id="{EDE79BFB-AFEF-4FC7-B75E-E8E3F2A032DB}" type="datetimeFigureOut">
               <a:rPr lang="de-DE" smtClean="0"/>
-              <a:t>12.12.2016</a:t>
+              <a:t>14.12.2016</a:t>
             </a:fld>
             <a:endParaRPr lang="de-DE"/>
           </a:p>
@@ -1616,7 +1617,7 @@
           <a:p>
             <a:fld id="{EDE79BFB-AFEF-4FC7-B75E-E8E3F2A032DB}" type="datetimeFigureOut">
               <a:rPr lang="de-DE" smtClean="0"/>
-              <a:t>12.12.2016</a:t>
+              <a:t>14.12.2016</a:t>
             </a:fld>
             <a:endParaRPr lang="de-DE"/>
           </a:p>
@@ -1734,7 +1735,7 @@
           <a:p>
             <a:fld id="{EDE79BFB-AFEF-4FC7-B75E-E8E3F2A032DB}" type="datetimeFigureOut">
               <a:rPr lang="de-DE" smtClean="0"/>
-              <a:t>12.12.2016</a:t>
+              <a:t>14.12.2016</a:t>
             </a:fld>
             <a:endParaRPr lang="de-DE"/>
           </a:p>
@@ -1829,7 +1830,7 @@
           <a:p>
             <a:fld id="{EDE79BFB-AFEF-4FC7-B75E-E8E3F2A032DB}" type="datetimeFigureOut">
               <a:rPr lang="de-DE" smtClean="0"/>
-              <a:t>12.12.2016</a:t>
+              <a:t>14.12.2016</a:t>
             </a:fld>
             <a:endParaRPr lang="de-DE"/>
           </a:p>
@@ -2106,7 +2107,7 @@
           <a:p>
             <a:fld id="{EDE79BFB-AFEF-4FC7-B75E-E8E3F2A032DB}" type="datetimeFigureOut">
               <a:rPr lang="de-DE" smtClean="0"/>
-              <a:t>12.12.2016</a:t>
+              <a:t>14.12.2016</a:t>
             </a:fld>
             <a:endParaRPr lang="de-DE"/>
           </a:p>
@@ -2359,7 +2360,7 @@
           <a:p>
             <a:fld id="{EDE79BFB-AFEF-4FC7-B75E-E8E3F2A032DB}" type="datetimeFigureOut">
               <a:rPr lang="de-DE" smtClean="0"/>
-              <a:t>12.12.2016</a:t>
+              <a:t>14.12.2016</a:t>
             </a:fld>
             <a:endParaRPr lang="de-DE"/>
           </a:p>
@@ -2572,7 +2573,7 @@
           <a:p>
             <a:fld id="{EDE79BFB-AFEF-4FC7-B75E-E8E3F2A032DB}" type="datetimeFigureOut">
               <a:rPr lang="de-DE" smtClean="0"/>
-              <a:t>12.12.2016</a:t>
+              <a:t>14.12.2016</a:t>
             </a:fld>
             <a:endParaRPr lang="de-DE"/>
           </a:p>
@@ -3020,6 +3021,157 @@
 </p:sld>
 </file>
 
+<file path=ppt/slides/slide10.xml><?xml version="1.0" encoding="utf-8"?>
+<p:sld xmlns:a="http://schemas.openxmlformats.org/drawingml/2006/main" xmlns:r="http://schemas.openxmlformats.org/officeDocument/2006/relationships" xmlns:p="http://schemas.openxmlformats.org/presentationml/2006/main">
+  <p:cSld>
+    <p:spTree>
+      <p:nvGrpSpPr>
+        <p:cNvPr id="1" name=""/>
+        <p:cNvGrpSpPr/>
+        <p:nvPr/>
+      </p:nvGrpSpPr>
+      <p:grpSpPr>
+        <a:xfrm>
+          <a:off x="0" y="0"/>
+          <a:ext cx="0" cy="0"/>
+          <a:chOff x="0" y="0"/>
+          <a:chExt cx="0" cy="0"/>
+        </a:xfrm>
+      </p:grpSpPr>
+      <p:sp>
+        <p:nvSpPr>
+          <p:cNvPr id="2" name="Title 1"/>
+          <p:cNvSpPr>
+            <a:spLocks noGrp="1"/>
+          </p:cNvSpPr>
+          <p:nvPr>
+            <p:ph type="title"/>
+          </p:nvPr>
+        </p:nvSpPr>
+        <p:spPr/>
+        <p:txBody>
+          <a:bodyPr/>
+          <a:lstStyle/>
+          <a:p>
+            <a:r>
+              <a:rPr lang="de-CH" dirty="0" smtClean="0"/>
+              <a:t>Fully responsive</a:t>
+            </a:r>
+            <a:endParaRPr lang="de-CH" dirty="0"/>
+          </a:p>
+        </p:txBody>
+      </p:sp>
+      <p:pic>
+        <p:nvPicPr>
+          <p:cNvPr id="4" name="Content Placeholder 3"/>
+          <p:cNvPicPr>
+            <a:picLocks noGrp="1" noChangeAspect="1"/>
+          </p:cNvPicPr>
+          <p:nvPr>
+            <p:ph idx="1"/>
+          </p:nvPr>
+        </p:nvPicPr>
+        <p:blipFill>
+          <a:blip r:embed="rId2"/>
+          <a:stretch>
+            <a:fillRect/>
+          </a:stretch>
+        </p:blipFill>
+        <p:spPr>
+          <a:xfrm>
+            <a:off x="838200" y="1791120"/>
+            <a:ext cx="2646832" cy="4351338"/>
+          </a:xfrm>
+          <a:prstGeom prst="rect">
+            <a:avLst/>
+          </a:prstGeom>
+        </p:spPr>
+      </p:pic>
+      <p:pic>
+        <p:nvPicPr>
+          <p:cNvPr id="5" name="Picture 4"/>
+          <p:cNvPicPr>
+            <a:picLocks noChangeAspect="1"/>
+          </p:cNvPicPr>
+          <p:nvPr/>
+        </p:nvPicPr>
+        <p:blipFill>
+          <a:blip r:embed="rId3"/>
+          <a:stretch>
+            <a:fillRect/>
+          </a:stretch>
+        </p:blipFill>
+        <p:spPr>
+          <a:xfrm>
+            <a:off x="3612492" y="1791120"/>
+            <a:ext cx="2672366" cy="4351338"/>
+          </a:xfrm>
+          <a:prstGeom prst="rect">
+            <a:avLst/>
+          </a:prstGeom>
+        </p:spPr>
+      </p:pic>
+      <p:pic>
+        <p:nvPicPr>
+          <p:cNvPr id="6" name="Picture 5"/>
+          <p:cNvPicPr>
+            <a:picLocks noChangeAspect="1"/>
+          </p:cNvPicPr>
+          <p:nvPr/>
+        </p:nvPicPr>
+        <p:blipFill>
+          <a:blip r:embed="rId4"/>
+          <a:stretch>
+            <a:fillRect/>
+          </a:stretch>
+        </p:blipFill>
+        <p:spPr>
+          <a:xfrm>
+            <a:off x="9155518" y="1791120"/>
+            <a:ext cx="2666500" cy="4351338"/>
+          </a:xfrm>
+          <a:prstGeom prst="rect">
+            <a:avLst/>
+          </a:prstGeom>
+        </p:spPr>
+      </p:pic>
+      <p:pic>
+        <p:nvPicPr>
+          <p:cNvPr id="7" name="Picture 6"/>
+          <p:cNvPicPr>
+            <a:picLocks noChangeAspect="1"/>
+          </p:cNvPicPr>
+          <p:nvPr/>
+        </p:nvPicPr>
+        <p:blipFill>
+          <a:blip r:embed="rId5"/>
+          <a:stretch>
+            <a:fillRect/>
+          </a:stretch>
+        </p:blipFill>
+        <p:spPr>
+          <a:xfrm>
+            <a:off x="6412318" y="1781132"/>
+            <a:ext cx="2652576" cy="4351338"/>
+          </a:xfrm>
+          <a:prstGeom prst="rect">
+            <a:avLst/>
+          </a:prstGeom>
+        </p:spPr>
+      </p:pic>
+    </p:spTree>
+    <p:extLst>
+      <p:ext uri="{BB962C8B-B14F-4D97-AF65-F5344CB8AC3E}">
+        <p14:creationId xmlns:p14="http://schemas.microsoft.com/office/powerpoint/2010/main" val="3715789482"/>
+      </p:ext>
+    </p:extLst>
+  </p:cSld>
+  <p:clrMapOvr>
+    <a:masterClrMapping/>
+  </p:clrMapOvr>
+</p:sld>
+</file>
+
 <file path=ppt/slides/slide2.xml><?xml version="1.0" encoding="utf-8"?>
 <p:sld xmlns:a="http://schemas.openxmlformats.org/drawingml/2006/main" xmlns:r="http://schemas.openxmlformats.org/officeDocument/2006/relationships" xmlns:p="http://schemas.openxmlformats.org/presentationml/2006/main">
   <p:cSld>
